--- a/Documentation/Предзащита2_Бирюкова.pptx
+++ b/Documentation/Предзащита2_Бирюкова.pptx
@@ -25,7 +25,8 @@
     <p:sldId id="276" r:id="rId19"/>
     <p:sldId id="277" r:id="rId20"/>
     <p:sldId id="278" r:id="rId21"/>
-    <p:sldId id="270" r:id="rId22"/>
+    <p:sldId id="280" r:id="rId22"/>
+    <p:sldId id="270" r:id="rId23"/>
   </p:sldIdLst>
   <p:sldSz cx="9144000" cy="6858000" type="screen4x3"/>
   <p:notesSz cx="6858000" cy="9144000"/>
@@ -308,7 +309,7 @@
           <a:p>
             <a:fld id="{6E62D75B-C3F4-4E3C-ADB7-33E3808D6CE4}" type="datetimeFigureOut">
               <a:rPr lang="ru-RU" smtClean="0"/>
-              <a:t>30.05.2024</a:t>
+              <a:t>03.06.2024</a:t>
             </a:fld>
             <a:endParaRPr lang="ru-RU"/>
           </a:p>
@@ -478,7 +479,7 @@
           <a:p>
             <a:fld id="{6E62D75B-C3F4-4E3C-ADB7-33E3808D6CE4}" type="datetimeFigureOut">
               <a:rPr lang="ru-RU" smtClean="0"/>
-              <a:t>30.05.2024</a:t>
+              <a:t>03.06.2024</a:t>
             </a:fld>
             <a:endParaRPr lang="ru-RU"/>
           </a:p>
@@ -658,7 +659,7 @@
           <a:p>
             <a:fld id="{6E62D75B-C3F4-4E3C-ADB7-33E3808D6CE4}" type="datetimeFigureOut">
               <a:rPr lang="ru-RU" smtClean="0"/>
-              <a:t>30.05.2024</a:t>
+              <a:t>03.06.2024</a:t>
             </a:fld>
             <a:endParaRPr lang="ru-RU"/>
           </a:p>
@@ -828,7 +829,7 @@
           <a:p>
             <a:fld id="{6E62D75B-C3F4-4E3C-ADB7-33E3808D6CE4}" type="datetimeFigureOut">
               <a:rPr lang="ru-RU" smtClean="0"/>
-              <a:t>30.05.2024</a:t>
+              <a:t>03.06.2024</a:t>
             </a:fld>
             <a:endParaRPr lang="ru-RU"/>
           </a:p>
@@ -1074,7 +1075,7 @@
           <a:p>
             <a:fld id="{6E62D75B-C3F4-4E3C-ADB7-33E3808D6CE4}" type="datetimeFigureOut">
               <a:rPr lang="ru-RU" smtClean="0"/>
-              <a:t>30.05.2024</a:t>
+              <a:t>03.06.2024</a:t>
             </a:fld>
             <a:endParaRPr lang="ru-RU"/>
           </a:p>
@@ -1362,7 +1363,7 @@
           <a:p>
             <a:fld id="{6E62D75B-C3F4-4E3C-ADB7-33E3808D6CE4}" type="datetimeFigureOut">
               <a:rPr lang="ru-RU" smtClean="0"/>
-              <a:t>30.05.2024</a:t>
+              <a:t>03.06.2024</a:t>
             </a:fld>
             <a:endParaRPr lang="ru-RU"/>
           </a:p>
@@ -1784,7 +1785,7 @@
           <a:p>
             <a:fld id="{6E62D75B-C3F4-4E3C-ADB7-33E3808D6CE4}" type="datetimeFigureOut">
               <a:rPr lang="ru-RU" smtClean="0"/>
-              <a:t>30.05.2024</a:t>
+              <a:t>03.06.2024</a:t>
             </a:fld>
             <a:endParaRPr lang="ru-RU"/>
           </a:p>
@@ -1902,7 +1903,7 @@
           <a:p>
             <a:fld id="{6E62D75B-C3F4-4E3C-ADB7-33E3808D6CE4}" type="datetimeFigureOut">
               <a:rPr lang="ru-RU" smtClean="0"/>
-              <a:t>30.05.2024</a:t>
+              <a:t>03.06.2024</a:t>
             </a:fld>
             <a:endParaRPr lang="ru-RU"/>
           </a:p>
@@ -1997,7 +1998,7 @@
           <a:p>
             <a:fld id="{6E62D75B-C3F4-4E3C-ADB7-33E3808D6CE4}" type="datetimeFigureOut">
               <a:rPr lang="ru-RU" smtClean="0"/>
-              <a:t>30.05.2024</a:t>
+              <a:t>03.06.2024</a:t>
             </a:fld>
             <a:endParaRPr lang="ru-RU"/>
           </a:p>
@@ -2274,7 +2275,7 @@
           <a:p>
             <a:fld id="{6E62D75B-C3F4-4E3C-ADB7-33E3808D6CE4}" type="datetimeFigureOut">
               <a:rPr lang="ru-RU" smtClean="0"/>
-              <a:t>30.05.2024</a:t>
+              <a:t>03.06.2024</a:t>
             </a:fld>
             <a:endParaRPr lang="ru-RU"/>
           </a:p>
@@ -2527,7 +2528,7 @@
           <a:p>
             <a:fld id="{6E62D75B-C3F4-4E3C-ADB7-33E3808D6CE4}" type="datetimeFigureOut">
               <a:rPr lang="ru-RU" smtClean="0"/>
-              <a:t>30.05.2024</a:t>
+              <a:t>03.06.2024</a:t>
             </a:fld>
             <a:endParaRPr lang="ru-RU"/>
           </a:p>
@@ -2740,7 +2741,7 @@
           <a:p>
             <a:fld id="{6E62D75B-C3F4-4E3C-ADB7-33E3808D6CE4}" type="datetimeFigureOut">
               <a:rPr lang="ru-RU" smtClean="0"/>
-              <a:t>30.05.2024</a:t>
+              <a:t>03.06.2024</a:t>
             </a:fld>
             <a:endParaRPr lang="ru-RU"/>
           </a:p>
@@ -5499,7 +5500,7 @@
         </p:nvSpPr>
         <p:spPr>
           <a:xfrm>
-            <a:off x="467544" y="188640"/>
+            <a:off x="460375" y="404665"/>
             <a:ext cx="8136904" cy="648071"/>
           </a:xfrm>
         </p:spPr>
@@ -5511,7 +5512,7 @@
           <a:p>
             <a:r>
               <a:rPr lang="ru-RU" dirty="0" smtClean="0"/>
-              <a:t>Степень выполнения работ</a:t>
+              <a:t>Тестирование веб-сервиса</a:t>
             </a:r>
             <a:endParaRPr lang="ru-RU" dirty="0"/>
           </a:p>
@@ -5519,7 +5520,193 @@
       </p:sp>
       <p:sp>
         <p:nvSpPr>
-          <p:cNvPr id="3" name="Подзаголовок 2"/>
+          <p:cNvPr id="3" name="AutoShape 2" descr="Диаграмма ответов в Формах. Вопрос: Быстро ли вы разобрались в устройстве веб-сервиса?. Количество ответов: 31 ответ."/>
+          <p:cNvSpPr>
+            <a:spLocks noChangeAspect="1" noChangeArrowheads="1"/>
+          </p:cNvSpPr>
+          <p:nvPr/>
+        </p:nvSpPr>
+        <p:spPr bwMode="auto">
+          <a:xfrm>
+            <a:off x="155575" y="84138"/>
+            <a:ext cx="304800" cy="304800"/>
+          </a:xfrm>
+          <a:prstGeom prst="rect">
+            <a:avLst/>
+          </a:prstGeom>
+          <a:noFill/>
+          <a:extLst>
+            <a:ext uri="{909E8E84-426E-40DD-AFC4-6F175D3DCCD1}">
+              <a14:hiddenFill xmlns:a14="http://schemas.microsoft.com/office/drawing/2010/main">
+                <a:solidFill>
+                  <a:srgbClr val="FFFFFF"/>
+                </a:solidFill>
+              </a14:hiddenFill>
+            </a:ext>
+          </a:extLst>
+        </p:spPr>
+        <p:txBody>
+          <a:bodyPr vert="horz" wrap="square" lIns="91440" tIns="45720" rIns="91440" bIns="45720" numCol="1" anchor="t" anchorCtr="0" compatLnSpc="1">
+            <a:prstTxWarp prst="textNoShape">
+              <a:avLst/>
+            </a:prstTxWarp>
+          </a:bodyPr>
+          <a:lstStyle/>
+          <a:p>
+            <a:endParaRPr lang="ru-RU"/>
+          </a:p>
+        </p:txBody>
+      </p:sp>
+      <p:sp>
+        <p:nvSpPr>
+          <p:cNvPr id="7" name="AutoShape 4" descr="Диаграмма ответов в Формах. Вопрос: Быстро ли вы разобрались в устройстве веб-сервиса?. Количество ответов: 31 ответ."/>
+          <p:cNvSpPr>
+            <a:spLocks noChangeAspect="1" noChangeArrowheads="1"/>
+          </p:cNvSpPr>
+          <p:nvPr/>
+        </p:nvSpPr>
+        <p:spPr bwMode="auto">
+          <a:xfrm>
+            <a:off x="307975" y="236538"/>
+            <a:ext cx="304800" cy="304800"/>
+          </a:xfrm>
+          <a:prstGeom prst="rect">
+            <a:avLst/>
+          </a:prstGeom>
+          <a:noFill/>
+          <a:extLst>
+            <a:ext uri="{909E8E84-426E-40DD-AFC4-6F175D3DCCD1}">
+              <a14:hiddenFill xmlns:a14="http://schemas.microsoft.com/office/drawing/2010/main">
+                <a:solidFill>
+                  <a:srgbClr val="FFFFFF"/>
+                </a:solidFill>
+              </a14:hiddenFill>
+            </a:ext>
+          </a:extLst>
+        </p:spPr>
+        <p:txBody>
+          <a:bodyPr vert="horz" wrap="square" lIns="91440" tIns="45720" rIns="91440" bIns="45720" numCol="1" anchor="t" anchorCtr="0" compatLnSpc="1">
+            <a:prstTxWarp prst="textNoShape">
+              <a:avLst/>
+            </a:prstTxWarp>
+          </a:bodyPr>
+          <a:lstStyle/>
+          <a:p>
+            <a:endParaRPr lang="ru-RU"/>
+          </a:p>
+        </p:txBody>
+      </p:sp>
+      <p:pic>
+        <p:nvPicPr>
+          <p:cNvPr id="2050" name="Picture 2"/>
+          <p:cNvPicPr>
+            <a:picLocks noChangeAspect="1" noChangeArrowheads="1"/>
+          </p:cNvPicPr>
+          <p:nvPr/>
+        </p:nvPicPr>
+        <p:blipFill>
+          <a:blip r:embed="rId2">
+            <a:extLst>
+              <a:ext uri="{28A0092B-C50C-407E-A947-70E740481C1C}">
+                <a14:useLocalDpi xmlns:a14="http://schemas.microsoft.com/office/drawing/2010/main" val="0"/>
+              </a:ext>
+            </a:extLst>
+          </a:blip>
+          <a:srcRect/>
+          <a:stretch>
+            <a:fillRect/>
+          </a:stretch>
+        </p:blipFill>
+        <p:spPr bwMode="auto">
+          <a:xfrm>
+            <a:off x="340375" y="2753322"/>
+            <a:ext cx="4029127" cy="3731254"/>
+          </a:xfrm>
+          <a:prstGeom prst="rect">
+            <a:avLst/>
+          </a:prstGeom>
+          <a:noFill/>
+          <a:ln>
+            <a:noFill/>
+          </a:ln>
+          <a:extLst>
+            <a:ext uri="{909E8E84-426E-40DD-AFC4-6F175D3DCCD1}">
+              <a14:hiddenFill xmlns:a14="http://schemas.microsoft.com/office/drawing/2010/main">
+                <a:solidFill>
+                  <a:schemeClr val="accent1"/>
+                </a:solidFill>
+              </a14:hiddenFill>
+            </a:ext>
+            <a:ext uri="{91240B29-F687-4F45-9708-019B960494DF}">
+              <a14:hiddenLine xmlns:a14="http://schemas.microsoft.com/office/drawing/2010/main" w="9525">
+                <a:solidFill>
+                  <a:schemeClr val="tx1"/>
+                </a:solidFill>
+                <a:miter lim="800000"/>
+                <a:headEnd/>
+                <a:tailEnd/>
+              </a14:hiddenLine>
+            </a:ext>
+          </a:extLst>
+        </p:spPr>
+      </p:pic>
+      <p:pic>
+        <p:nvPicPr>
+          <p:cNvPr id="9" name="Picture 3"/>
+          <p:cNvPicPr>
+            <a:picLocks noChangeAspect="1" noChangeArrowheads="1"/>
+          </p:cNvPicPr>
+          <p:nvPr/>
+        </p:nvPicPr>
+        <p:blipFill>
+          <a:blip r:embed="rId3">
+            <a:extLst>
+              <a:ext uri="{28A0092B-C50C-407E-A947-70E740481C1C}">
+                <a14:useLocalDpi xmlns:a14="http://schemas.microsoft.com/office/drawing/2010/main" val="0"/>
+              </a:ext>
+            </a:extLst>
+          </a:blip>
+          <a:srcRect/>
+          <a:stretch>
+            <a:fillRect/>
+          </a:stretch>
+        </p:blipFill>
+        <p:spPr bwMode="auto">
+          <a:xfrm>
+            <a:off x="4637877" y="2838561"/>
+            <a:ext cx="4280679" cy="3686783"/>
+          </a:xfrm>
+          <a:prstGeom prst="rect">
+            <a:avLst/>
+          </a:prstGeom>
+          <a:noFill/>
+          <a:ln>
+            <a:noFill/>
+          </a:ln>
+          <a:extLst>
+            <a:ext uri="{909E8E84-426E-40DD-AFC4-6F175D3DCCD1}">
+              <a14:hiddenFill xmlns:a14="http://schemas.microsoft.com/office/drawing/2010/main">
+                <a:solidFill>
+                  <a:schemeClr val="accent1"/>
+                </a:solidFill>
+              </a14:hiddenFill>
+            </a:ext>
+            <a:ext uri="{91240B29-F687-4F45-9708-019B960494DF}">
+              <a14:hiddenLine xmlns:a14="http://schemas.microsoft.com/office/drawing/2010/main" w="9525">
+                <a:solidFill>
+                  <a:schemeClr val="tx1"/>
+                </a:solidFill>
+                <a:miter lim="800000"/>
+                <a:headEnd/>
+                <a:tailEnd/>
+              </a14:hiddenLine>
+            </a:ext>
+          </a:extLst>
+        </p:spPr>
+      </p:pic>
+      <p:sp>
+        <p:nvSpPr>
+          <p:cNvPr id="10" name="Подзаголовок 2"/>
           <p:cNvSpPr>
             <a:spLocks noGrp="1"/>
           </p:cNvSpPr>
@@ -5530,11 +5717,13 @@
         <p:spPr>
           <a:xfrm>
             <a:off x="498190" y="1340768"/>
-            <a:ext cx="8106258" cy="4896544"/>
+            <a:ext cx="8106258" cy="1440160"/>
           </a:xfrm>
         </p:spPr>
         <p:txBody>
-          <a:bodyPr/>
+          <a:bodyPr>
+            <a:normAutofit/>
+          </a:bodyPr>
           <a:lstStyle/>
           <a:p>
             <a:pPr marL="457200" indent="-457200" algn="l">
@@ -5547,7 +5736,7 @@
                   <a:schemeClr val="tx1"/>
                 </a:solidFill>
               </a:rPr>
-              <a:t>ТЗ: Готово</a:t>
+              <a:t>Ручное тестирование</a:t>
             </a:r>
           </a:p>
           <a:p>
@@ -5556,32 +5745,84 @@
               <a:buChar char="•"/>
             </a:pPr>
             <a:r>
+              <a:rPr lang="ru-RU" dirty="0" err="1" smtClean="0">
+                <a:solidFill>
+                  <a:schemeClr val="tx1"/>
+                </a:solidFill>
+              </a:rPr>
+              <a:t>Юзабилити</a:t>
+            </a:r>
+            <a:r>
               <a:rPr lang="ru-RU" dirty="0" smtClean="0">
                 <a:solidFill>
                   <a:schemeClr val="tx1"/>
                 </a:solidFill>
               </a:rPr>
-              <a:t>ПЗ: 3 главы</a:t>
-            </a:r>
-          </a:p>
-          <a:p>
-            <a:pPr marL="457200" indent="-457200" algn="l">
-              <a:buFont typeface="Arial" panose="020B0604020202020204" pitchFamily="34" charset="0"/>
-              <a:buChar char="•"/>
-            </a:pPr>
-            <a:r>
-              <a:rPr lang="ru-RU" dirty="0" smtClean="0">
-                <a:solidFill>
-                  <a:schemeClr val="tx1"/>
-                </a:solidFill>
-              </a:rPr>
-              <a:t>Программа: 90% </a:t>
+              <a:t> тестирование</a:t>
             </a:r>
             <a:endParaRPr lang="ru-RU" dirty="0">
               <a:solidFill>
                 <a:schemeClr val="tx1"/>
               </a:solidFill>
             </a:endParaRPr>
+          </a:p>
+        </p:txBody>
+      </p:sp>
+    </p:spTree>
+    <p:extLst>
+      <p:ext uri="{BB962C8B-B14F-4D97-AF65-F5344CB8AC3E}">
+        <p14:creationId xmlns:p14="http://schemas.microsoft.com/office/powerpoint/2010/main" val="2946787388"/>
+      </p:ext>
+    </p:extLst>
+  </p:cSld>
+  <p:clrMapOvr>
+    <a:masterClrMapping/>
+  </p:clrMapOvr>
+</p:sld>
+</file>
+
+<file path=ppt/slides/slide22.xml><?xml version="1.0" encoding="utf-8"?>
+<p:sld xmlns:a="http://schemas.openxmlformats.org/drawingml/2006/main" xmlns:r="http://schemas.openxmlformats.org/officeDocument/2006/relationships" xmlns:p="http://schemas.openxmlformats.org/presentationml/2006/main">
+  <p:cSld>
+    <p:spTree>
+      <p:nvGrpSpPr>
+        <p:cNvPr id="1" name=""/>
+        <p:cNvGrpSpPr/>
+        <p:nvPr/>
+      </p:nvGrpSpPr>
+      <p:grpSpPr>
+        <a:xfrm>
+          <a:off x="0" y="0"/>
+          <a:ext cx="0" cy="0"/>
+          <a:chOff x="0" y="0"/>
+          <a:chExt cx="0" cy="0"/>
+        </a:xfrm>
+      </p:grpSpPr>
+      <p:sp>
+        <p:nvSpPr>
+          <p:cNvPr id="4" name="Заголовок 3"/>
+          <p:cNvSpPr>
+            <a:spLocks noGrp="1"/>
+          </p:cNvSpPr>
+          <p:nvPr>
+            <p:ph type="ctrTitle"/>
+          </p:nvPr>
+        </p:nvSpPr>
+        <p:spPr>
+          <a:xfrm>
+            <a:off x="683568" y="2535039"/>
+            <a:ext cx="7772400" cy="1470025"/>
+          </a:xfrm>
+        </p:spPr>
+        <p:txBody>
+          <a:bodyPr/>
+          <a:lstStyle/>
+          <a:p>
+            <a:r>
+              <a:rPr lang="ru-RU" dirty="0" smtClean="0"/>
+              <a:t>Спасибо за внимание!</a:t>
+            </a:r>
+            <a:endParaRPr lang="ru-RU" dirty="0"/>
           </a:p>
         </p:txBody>
       </p:sp>
@@ -6542,7 +6783,11 @@
           <a:p>
             <a:r>
               <a:rPr lang="ru-RU" dirty="0" smtClean="0"/>
-              <a:t>Обзор аналогов</a:t>
+              <a:t>Сравнение </a:t>
+            </a:r>
+            <a:r>
+              <a:rPr lang="ru-RU" dirty="0" smtClean="0"/>
+              <a:t>аналогов</a:t>
             </a:r>
             <a:endParaRPr lang="ru-RU" dirty="0"/>
           </a:p>
